--- a/Presentacion2.pptx
+++ b/Presentacion2.pptx
@@ -34,6 +34,7 @@
     <p:sldId id="281" r:id="rId29"/>
     <p:sldId id="282" r:id="rId30"/>
     <p:sldId id="283" r:id="rId31"/>
+    <p:sldId id="284" r:id="rId32"/>
   </p:sldIdLst>
   <p:sldSz cx="10080625" cy="5670550"/>
   <p:notesSz cx="7559675" cy="10691812"/>
@@ -3809,13 +3810,7 @@
           </a:bodyPr>
           <a:p>
             <a:pPr algn="ctr"/>
-            <a:r>
-              <a:rPr b="0" lang="es-ES" sz="3200" spc="-1" strike="noStrike">
-                <a:latin typeface="Arial"/>
-              </a:rPr>
-              <a:t>Aprendizaje Automático (Machine Learning - ML)</a:t>
-            </a:r>
-            <a:endParaRPr b="0" lang="es-ES" sz="3200" spc="-1" strike="noStrike">
+            <a:endParaRPr b="0" lang="es-ES" sz="4400" spc="-1" strike="noStrike">
               <a:latin typeface="Arial"/>
             </a:endParaRPr>
           </a:p>
@@ -3842,7 +3837,7 @@
         </p:spPr>
         <p:txBody>
           <a:bodyPr lIns="0" rIns="0" tIns="0" bIns="0">
-            <a:normAutofit fontScale="79000"/>
+            <a:normAutofit/>
           </a:bodyPr>
           <a:p>
             <a:pPr marL="432000" indent="-324000">
@@ -3859,8 +3854,9 @@
             <a:r>
               <a:rPr b="0" lang="es-ES" sz="3200" spc="-1" strike="noStrike">
                 <a:latin typeface="Arial"/>
-              </a:rPr>
-              <a:t>Se basa en algoritmos que aprenden de los datos sin necesidad de programación de reglas.</a:t>
+                <a:hlinkClick r:id="rId1"/>
+              </a:rPr>
+              <a:t>https://qiao.github.io/PathFinding.js/visual/</a:t>
             </a:r>
             <a:endParaRPr b="0" lang="es-ES" sz="3200" spc="-1" strike="noStrike">
               <a:latin typeface="Arial"/>
@@ -3881,8 +3877,31 @@
             <a:r>
               <a:rPr b="0" lang="es-ES" sz="3200" spc="-1" strike="noStrike">
                 <a:latin typeface="Arial"/>
-              </a:rPr>
-              <a:t>Tom Mitchell: “Se dice que un programa de computadora aprende de la experiencia E con respecto a alguna clase de tareas T y una medida de desempeño P, si su desempeño en las tareas en T, medido por P, mejora con la experiencia E.</a:t>
+                <a:hlinkClick r:id="rId2"/>
+              </a:rPr>
+              <a:t>https://tristanpenman.com/demos/n-puzzle/</a:t>
+            </a:r>
+            <a:endParaRPr b="0" lang="es-ES" sz="3200" spc="-1" strike="noStrike">
+              <a:latin typeface="Arial"/>
+            </a:endParaRPr>
+          </a:p>
+          <a:p>
+            <a:pPr marL="432000" indent="-324000">
+              <a:spcBef>
+                <a:spcPts val="1417"/>
+              </a:spcBef>
+              <a:buClr>
+                <a:srgbClr val="000000"/>
+              </a:buClr>
+              <a:buSzPct val="45000"/>
+              <a:buFont typeface="Wingdings" charset="2"/>
+              <a:buChar char=""/>
+            </a:pPr>
+            <a:r>
+              <a:rPr b="0" lang="es-ES" sz="3200" spc="-1" strike="noStrike">
+                <a:latin typeface="Arial"/>
+              </a:rPr>
+              <a:t>https://tictactoe-api-server.herokuapp.com/</a:t>
             </a:r>
             <a:endParaRPr b="0" lang="es-ES" sz="3200" spc="-1" strike="noStrike">
               <a:latin typeface="Arial"/>
@@ -3957,39 +3976,16 @@
           </a:p>
         </p:txBody>
       </p:sp>
-      <p:pic>
-        <p:nvPicPr>
-          <p:cNvPr id="104" name="" descr=""/>
-          <p:cNvPicPr/>
-          <p:nvPr/>
-        </p:nvPicPr>
-        <p:blipFill>
-          <a:blip r:embed="rId1"/>
-          <a:stretch/>
-        </p:blipFill>
-        <p:spPr>
-          <a:xfrm>
-            <a:off x="1468080" y="2016000"/>
-            <a:ext cx="7027920" cy="2027880"/>
-          </a:xfrm>
-          <a:prstGeom prst="rect">
-            <a:avLst/>
-          </a:prstGeom>
-          <a:ln>
-            <a:noFill/>
-          </a:ln>
-        </p:spPr>
-      </p:pic>
-      <p:sp>
-        <p:nvSpPr>
-          <p:cNvPr id="105" name="TextShape 2"/>
+      <p:sp>
+        <p:nvSpPr>
+          <p:cNvPr id="104" name="TextShape 2"/>
           <p:cNvSpPr txBox="1"/>
           <p:nvPr/>
         </p:nvSpPr>
         <p:spPr>
           <a:xfrm>
-            <a:off x="1224000" y="3943800"/>
-            <a:ext cx="8208000" cy="232200"/>
+            <a:off x="502920" y="1327320"/>
+            <a:ext cx="9069120" cy="3285720"/>
           </a:xfrm>
           <a:prstGeom prst="rect">
             <a:avLst/>
@@ -4000,17 +3996,50 @@
           </a:ln>
         </p:spPr>
         <p:txBody>
-          <a:bodyPr lIns="90000" rIns="90000" tIns="45000" bIns="45000">
-            <a:noAutofit/>
-          </a:bodyPr>
-          <a:p>
-            <a:r>
-              <a:rPr b="0" lang="es-ES" sz="1000" spc="-1" strike="noStrike">
-                <a:latin typeface="Arial"/>
-              </a:rPr>
-              <a:t>Fuente: https://www.simplilearn.com/tutorials/artificial-intelligence-tutorial/ai-vs-machine-learning-vs-deep-learning</a:t>
-            </a:r>
-            <a:endParaRPr b="0" lang="es-ES" sz="1000" spc="-1" strike="noStrike">
+          <a:bodyPr lIns="0" rIns="0" tIns="0" bIns="0">
+            <a:normAutofit fontScale="79000"/>
+          </a:bodyPr>
+          <a:p>
+            <a:pPr marL="432000" indent="-324000">
+              <a:spcBef>
+                <a:spcPts val="1417"/>
+              </a:spcBef>
+              <a:buClr>
+                <a:srgbClr val="000000"/>
+              </a:buClr>
+              <a:buSzPct val="45000"/>
+              <a:buFont typeface="Wingdings" charset="2"/>
+              <a:buChar char=""/>
+            </a:pPr>
+            <a:r>
+              <a:rPr b="0" lang="es-ES" sz="3200" spc="-1" strike="noStrike">
+                <a:latin typeface="Arial"/>
+              </a:rPr>
+              <a:t>Se basa en algoritmos que aprenden de los datos sin necesidad de programación de reglas.</a:t>
+            </a:r>
+            <a:endParaRPr b="0" lang="es-ES" sz="3200" spc="-1" strike="noStrike">
+              <a:latin typeface="Arial"/>
+            </a:endParaRPr>
+          </a:p>
+          <a:p>
+            <a:pPr marL="432000" indent="-324000">
+              <a:spcBef>
+                <a:spcPts val="1417"/>
+              </a:spcBef>
+              <a:buClr>
+                <a:srgbClr val="000000"/>
+              </a:buClr>
+              <a:buSzPct val="45000"/>
+              <a:buFont typeface="Wingdings" charset="2"/>
+              <a:buChar char=""/>
+            </a:pPr>
+            <a:r>
+              <a:rPr b="0" lang="es-ES" sz="3200" spc="-1" strike="noStrike">
+                <a:latin typeface="Arial"/>
+              </a:rPr>
+              <a:t>Tom Mitchell: “Se dice que un programa de computadora aprende de la experiencia E con respecto a alguna clase de tareas T y una medida de desempeño P, si su desempeño en las tareas en T, medido por P, mejora con la experiencia E.</a:t>
+            </a:r>
+            <a:endParaRPr b="0" lang="es-ES" sz="3200" spc="-1" strike="noStrike">
               <a:latin typeface="Arial"/>
             </a:endParaRPr>
           </a:p>
@@ -4048,7 +4077,7 @@
       </p:grpSpPr>
       <p:sp>
         <p:nvSpPr>
-          <p:cNvPr id="106" name="TextShape 1"/>
+          <p:cNvPr id="105" name="TextShape 1"/>
           <p:cNvSpPr txBox="1"/>
           <p:nvPr/>
         </p:nvSpPr>
@@ -4075,14 +4104,37 @@
               <a:rPr b="0" lang="es-ES" sz="3200" spc="-1" strike="noStrike">
                 <a:latin typeface="Arial"/>
               </a:rPr>
-              <a:t>Aprendizaje profundo ( Deep Learning)</a:t>
-            </a:r>
-            <a:endParaRPr b="0" lang="es-ES" sz="3200" spc="-1" strike="noStrike">
-              <a:latin typeface="Arial"/>
-            </a:endParaRPr>
-          </a:p>
-        </p:txBody>
-      </p:sp>
+              <a:t>Aprendizaje Automático (Machine Learning - ML)</a:t>
+            </a:r>
+            <a:endParaRPr b="0" lang="es-ES" sz="3200" spc="-1" strike="noStrike">
+              <a:latin typeface="Arial"/>
+            </a:endParaRPr>
+          </a:p>
+        </p:txBody>
+      </p:sp>
+      <p:pic>
+        <p:nvPicPr>
+          <p:cNvPr id="106" name="" descr=""/>
+          <p:cNvPicPr/>
+          <p:nvPr/>
+        </p:nvPicPr>
+        <p:blipFill>
+          <a:blip r:embed="rId1"/>
+          <a:stretch/>
+        </p:blipFill>
+        <p:spPr>
+          <a:xfrm>
+            <a:off x="1468080" y="2016000"/>
+            <a:ext cx="7027920" cy="2027880"/>
+          </a:xfrm>
+          <a:prstGeom prst="rect">
+            <a:avLst/>
+          </a:prstGeom>
+          <a:ln>
+            <a:noFill/>
+          </a:ln>
+        </p:spPr>
+      </p:pic>
       <p:sp>
         <p:nvSpPr>
           <p:cNvPr id="107" name="TextShape 2"/>
@@ -4091,8 +4143,8 @@
         </p:nvSpPr>
         <p:spPr>
           <a:xfrm>
-            <a:off x="502920" y="1327680"/>
-            <a:ext cx="9069120" cy="3285720"/>
+            <a:off x="1224000" y="3943800"/>
+            <a:ext cx="8208000" cy="232200"/>
           </a:xfrm>
           <a:prstGeom prst="rect">
             <a:avLst/>
@@ -4103,50 +4155,17 @@
           </a:ln>
         </p:spPr>
         <p:txBody>
-          <a:bodyPr lIns="0" rIns="0" tIns="0" bIns="0">
-            <a:normAutofit/>
-          </a:bodyPr>
-          <a:p>
-            <a:pPr marL="432000" indent="-324000">
-              <a:spcBef>
-                <a:spcPts val="1417"/>
-              </a:spcBef>
-              <a:buClr>
-                <a:srgbClr val="000000"/>
-              </a:buClr>
-              <a:buSzPct val="45000"/>
-              <a:buFont typeface="Wingdings" charset="2"/>
-              <a:buChar char=""/>
-            </a:pPr>
-            <a:r>
-              <a:rPr b="0" lang="es-ES" sz="3200" spc="-1" strike="noStrike">
-                <a:latin typeface="Arial"/>
-              </a:rPr>
-              <a:t>Es un subconjunto del aprendizaje automático que se ocupa de algoritmos inspirados en la estructura y función del cerebro humano (Redes Neuronales) </a:t>
-            </a:r>
-            <a:endParaRPr b="0" lang="es-ES" sz="3200" spc="-1" strike="noStrike">
-              <a:latin typeface="Arial"/>
-            </a:endParaRPr>
-          </a:p>
-          <a:p>
-            <a:pPr marL="432000" indent="-324000">
-              <a:spcBef>
-                <a:spcPts val="1417"/>
-              </a:spcBef>
-              <a:buClr>
-                <a:srgbClr val="000000"/>
-              </a:buClr>
-              <a:buSzPct val="45000"/>
-              <a:buFont typeface="Wingdings" charset="2"/>
-              <a:buChar char=""/>
-            </a:pPr>
-            <a:r>
-              <a:rPr b="0" lang="es-ES" sz="3200" spc="-1" strike="noStrike">
-                <a:latin typeface="Arial"/>
-              </a:rPr>
-              <a:t>Pueden funcionar con una enorme cantidad de datos estructurados y no estructurados. </a:t>
-            </a:r>
-            <a:endParaRPr b="0" lang="es-ES" sz="3200" spc="-1" strike="noStrike">
+          <a:bodyPr lIns="90000" rIns="90000" tIns="45000" bIns="45000">
+            <a:noAutofit/>
+          </a:bodyPr>
+          <a:p>
+            <a:r>
+              <a:rPr b="0" lang="es-ES" sz="1000" spc="-1" strike="noStrike">
+                <a:latin typeface="Arial"/>
+              </a:rPr>
+              <a:t>Fuente: https://www.simplilearn.com/tutorials/artificial-intelligence-tutorial/ai-vs-machine-learning-vs-deep-learning</a:t>
+            </a:r>
+            <a:endParaRPr b="0" lang="es-ES" sz="1000" spc="-1" strike="noStrike">
               <a:latin typeface="Arial"/>
             </a:endParaRPr>
           </a:p>
@@ -4211,7 +4230,7 @@
               <a:rPr b="0" lang="es-ES" sz="3200" spc="-1" strike="noStrike">
                 <a:latin typeface="Arial"/>
               </a:rPr>
-              <a:t>Tipos de Redes Neuronales</a:t>
+              <a:t>Aprendizaje profundo ( Deep Learning)</a:t>
             </a:r>
             <a:endParaRPr b="0" lang="es-ES" sz="3200" spc="-1" strike="noStrike">
               <a:latin typeface="Arial"/>
@@ -4240,7 +4259,7 @@
         </p:spPr>
         <p:txBody>
           <a:bodyPr lIns="0" rIns="0" tIns="0" bIns="0">
-            <a:normAutofit fontScale="51000"/>
+            <a:normAutofit/>
           </a:bodyPr>
           <a:p>
             <a:pPr marL="432000" indent="-324000">
@@ -4258,7 +4277,7 @@
               <a:rPr b="0" lang="es-ES" sz="3200" spc="-1" strike="noStrike">
                 <a:latin typeface="Arial"/>
               </a:rPr>
-              <a:t>Convolutional Neural Networks (CNN). Utilizadas principalmente para analizar imágenes.</a:t>
+              <a:t>Es un subconjunto del aprendizaje automático que se ocupa de algoritmos inspirados en la estructura y función del cerebro humano (Redes Neuronales) </a:t>
             </a:r>
             <a:endParaRPr b="0" lang="es-ES" sz="3200" spc="-1" strike="noStrike">
               <a:latin typeface="Arial"/>
@@ -4280,51 +4299,7 @@
               <a:rPr b="0" lang="es-ES" sz="3200" spc="-1" strike="noStrike">
                 <a:latin typeface="Arial"/>
               </a:rPr>
-              <a:t>Recurrent Neural Networks (RNN). Utilizadas para analizar secuencias de elementos (por ejemplo de palabras).</a:t>
-            </a:r>
-            <a:endParaRPr b="0" lang="es-ES" sz="3200" spc="-1" strike="noStrike">
-              <a:latin typeface="Arial"/>
-            </a:endParaRPr>
-          </a:p>
-          <a:p>
-            <a:pPr marL="432000" indent="-324000">
-              <a:spcBef>
-                <a:spcPts val="1417"/>
-              </a:spcBef>
-              <a:buClr>
-                <a:srgbClr val="000000"/>
-              </a:buClr>
-              <a:buSzPct val="45000"/>
-              <a:buFont typeface="Wingdings" charset="2"/>
-              <a:buChar char=""/>
-            </a:pPr>
-            <a:r>
-              <a:rPr b="0" lang="es-ES" sz="3200" spc="-1" strike="noStrike">
-                <a:latin typeface="Arial"/>
-              </a:rPr>
-              <a:t>Generative Adversarial Networks (GAN). Utilizan  2 redes neuronales para crear nuevos datos que pasan por ser reales.</a:t>
-            </a:r>
-            <a:endParaRPr b="0" lang="es-ES" sz="3200" spc="-1" strike="noStrike">
-              <a:latin typeface="Arial"/>
-            </a:endParaRPr>
-          </a:p>
-          <a:p>
-            <a:pPr marL="432000" indent="-324000">
-              <a:spcBef>
-                <a:spcPts val="1417"/>
-              </a:spcBef>
-              <a:buClr>
-                <a:srgbClr val="000000"/>
-              </a:buClr>
-              <a:buSzPct val="45000"/>
-              <a:buFont typeface="Wingdings" charset="2"/>
-              <a:buChar char=""/>
-            </a:pPr>
-            <a:r>
-              <a:rPr b="0" lang="es-ES" sz="3200" spc="-1" strike="noStrike">
-                <a:latin typeface="Arial"/>
-              </a:rPr>
-              <a:t>Deep Belief network (DBN)</a:t>
+              <a:t>Pueden funcionar con una enorme cantidad de datos estructurados y no estructurados. </a:t>
             </a:r>
             <a:endParaRPr b="0" lang="es-ES" sz="3200" spc="-1" strike="noStrike">
               <a:latin typeface="Arial"/>
@@ -4387,45 +4362,28 @@
           </a:bodyPr>
           <a:p>
             <a:pPr algn="ctr"/>
-            <a:endParaRPr b="0" lang="es-ES" sz="4400" spc="-1" strike="noStrike">
-              <a:latin typeface="Arial"/>
-            </a:endParaRPr>
-          </a:p>
-        </p:txBody>
-      </p:sp>
-      <p:pic>
-        <p:nvPicPr>
-          <p:cNvPr id="111" name="" descr=""/>
-          <p:cNvPicPr/>
-          <p:nvPr/>
-        </p:nvPicPr>
-        <p:blipFill>
-          <a:blip r:embed="rId1"/>
-          <a:stretch/>
-        </p:blipFill>
-        <p:spPr>
-          <a:xfrm>
-            <a:off x="1584000" y="1440000"/>
-            <a:ext cx="6723360" cy="3218400"/>
-          </a:xfrm>
-          <a:prstGeom prst="rect">
-            <a:avLst/>
-          </a:prstGeom>
-          <a:ln>
-            <a:noFill/>
-          </a:ln>
-        </p:spPr>
-      </p:pic>
-      <p:sp>
-        <p:nvSpPr>
-          <p:cNvPr id="112" name="TextShape 2"/>
+            <a:r>
+              <a:rPr b="0" lang="es-ES" sz="3200" spc="-1" strike="noStrike">
+                <a:latin typeface="Arial"/>
+              </a:rPr>
+              <a:t>Tipos de Redes Neuronales</a:t>
+            </a:r>
+            <a:endParaRPr b="0" lang="es-ES" sz="3200" spc="-1" strike="noStrike">
+              <a:latin typeface="Arial"/>
+            </a:endParaRPr>
+          </a:p>
+        </p:txBody>
+      </p:sp>
+      <p:sp>
+        <p:nvSpPr>
+          <p:cNvPr id="111" name="TextShape 2"/>
           <p:cNvSpPr txBox="1"/>
           <p:nvPr/>
         </p:nvSpPr>
         <p:spPr>
           <a:xfrm>
-            <a:off x="1080000" y="4392000"/>
-            <a:ext cx="7920000" cy="232200"/>
+            <a:off x="502920" y="1327680"/>
+            <a:ext cx="9069120" cy="3285720"/>
           </a:xfrm>
           <a:prstGeom prst="rect">
             <a:avLst/>
@@ -4436,17 +4394,94 @@
           </a:ln>
         </p:spPr>
         <p:txBody>
-          <a:bodyPr lIns="90000" rIns="90000" tIns="45000" bIns="45000">
-            <a:noAutofit/>
-          </a:bodyPr>
-          <a:p>
-            <a:r>
-              <a:rPr b="0" lang="es-ES" sz="1000" spc="-1" strike="noStrike">
-                <a:latin typeface="Arial"/>
-              </a:rPr>
-              <a:t>Fuente: https://torres.ai/generative-adversarial-networks/</a:t>
-            </a:r>
-            <a:endParaRPr b="0" lang="es-ES" sz="1000" spc="-1" strike="noStrike">
+          <a:bodyPr lIns="0" rIns="0" tIns="0" bIns="0">
+            <a:normAutofit fontScale="51000"/>
+          </a:bodyPr>
+          <a:p>
+            <a:pPr marL="432000" indent="-324000">
+              <a:spcBef>
+                <a:spcPts val="1417"/>
+              </a:spcBef>
+              <a:buClr>
+                <a:srgbClr val="000000"/>
+              </a:buClr>
+              <a:buSzPct val="45000"/>
+              <a:buFont typeface="Wingdings" charset="2"/>
+              <a:buChar char=""/>
+            </a:pPr>
+            <a:r>
+              <a:rPr b="0" lang="es-ES" sz="3200" spc="-1" strike="noStrike">
+                <a:latin typeface="Arial"/>
+              </a:rPr>
+              <a:t>Convolutional Neural Networks (CNN). Utilizadas principalmente para analizar imágenes.</a:t>
+            </a:r>
+            <a:endParaRPr b="0" lang="es-ES" sz="3200" spc="-1" strike="noStrike">
+              <a:latin typeface="Arial"/>
+            </a:endParaRPr>
+          </a:p>
+          <a:p>
+            <a:pPr marL="432000" indent="-324000">
+              <a:spcBef>
+                <a:spcPts val="1417"/>
+              </a:spcBef>
+              <a:buClr>
+                <a:srgbClr val="000000"/>
+              </a:buClr>
+              <a:buSzPct val="45000"/>
+              <a:buFont typeface="Wingdings" charset="2"/>
+              <a:buChar char=""/>
+            </a:pPr>
+            <a:r>
+              <a:rPr b="0" lang="es-ES" sz="3200" spc="-1" strike="noStrike">
+                <a:latin typeface="Arial"/>
+              </a:rPr>
+              <a:t>Recurrent Neural Networks (RNN). Utilizadas para analizar secuencias de elementos (por ejemplo de palabras).</a:t>
+            </a:r>
+            <a:endParaRPr b="0" lang="es-ES" sz="3200" spc="-1" strike="noStrike">
+              <a:latin typeface="Arial"/>
+            </a:endParaRPr>
+          </a:p>
+          <a:p>
+            <a:pPr marL="432000" indent="-324000">
+              <a:spcBef>
+                <a:spcPts val="1417"/>
+              </a:spcBef>
+              <a:buClr>
+                <a:srgbClr val="000000"/>
+              </a:buClr>
+              <a:buSzPct val="45000"/>
+              <a:buFont typeface="Wingdings" charset="2"/>
+              <a:buChar char=""/>
+            </a:pPr>
+            <a:r>
+              <a:rPr b="0" lang="es-ES" sz="3200" spc="-1" strike="noStrike">
+                <a:latin typeface="Arial"/>
+              </a:rPr>
+              <a:t>Generative Adversarial Networks (GAN). Utilizan  2 redes neuronales para crear nuevos datos que pasan por ser reales.</a:t>
+            </a:r>
+            <a:endParaRPr b="0" lang="es-ES" sz="3200" spc="-1" strike="noStrike">
+              <a:latin typeface="Arial"/>
+            </a:endParaRPr>
+          </a:p>
+          <a:p>
+            <a:pPr marL="432000" indent="-324000">
+              <a:spcBef>
+                <a:spcPts val="1417"/>
+              </a:spcBef>
+              <a:buClr>
+                <a:srgbClr val="000000"/>
+              </a:buClr>
+              <a:buSzPct val="45000"/>
+              <a:buFont typeface="Wingdings" charset="2"/>
+              <a:buChar char=""/>
+            </a:pPr>
+            <a:r>
+              <a:rPr b="0" lang="es-ES" sz="3200" spc="-1" strike="noStrike">
+                <a:latin typeface="Arial"/>
+              </a:rPr>
+              <a:t>Deep Belief network (DBN)</a:t>
+            </a:r>
+            <a:endParaRPr b="0" lang="es-ES" sz="3200" spc="-1" strike="noStrike">
               <a:latin typeface="Arial"/>
             </a:endParaRPr>
           </a:p>
@@ -4484,7 +4519,7 @@
       </p:grpSpPr>
       <p:sp>
         <p:nvSpPr>
-          <p:cNvPr id="113" name="TextShape 1"/>
+          <p:cNvPr id="112" name="TextShape 1"/>
           <p:cNvSpPr txBox="1"/>
           <p:nvPr/>
         </p:nvSpPr>
@@ -4507,12 +4542,6 @@
           </a:bodyPr>
           <a:p>
             <a:pPr algn="ctr"/>
-            <a:r>
-              <a:rPr b="0" lang="es-ES" sz="4400" spc="-1" strike="noStrike">
-                <a:latin typeface="Arial"/>
-              </a:rPr>
-              <a:t>Tipos de ML</a:t>
-            </a:r>
             <a:endParaRPr b="0" lang="es-ES" sz="4400" spc="-1" strike="noStrike">
               <a:latin typeface="Arial"/>
             </a:endParaRPr>
@@ -4521,7 +4550,7 @@
       </p:sp>
       <p:pic>
         <p:nvPicPr>
-          <p:cNvPr id="114" name="" descr=""/>
+          <p:cNvPr id="113" name="" descr=""/>
           <p:cNvPicPr/>
           <p:nvPr/>
         </p:nvPicPr>
@@ -4530,9 +4559,9 @@
           <a:stretch/>
         </p:blipFill>
         <p:spPr>
-          <a:xfrm rot="21585600">
-            <a:off x="2302200" y="1130760"/>
-            <a:ext cx="5752800" cy="4113000"/>
+          <a:xfrm>
+            <a:off x="1584000" y="1440000"/>
+            <a:ext cx="6723360" cy="3218400"/>
           </a:xfrm>
           <a:prstGeom prst="rect">
             <a:avLst/>
@@ -4544,14 +4573,14 @@
       </p:pic>
       <p:sp>
         <p:nvSpPr>
-          <p:cNvPr id="115" name="TextShape 2"/>
+          <p:cNvPr id="114" name="TextShape 2"/>
           <p:cNvSpPr txBox="1"/>
           <p:nvPr/>
         </p:nvSpPr>
         <p:spPr>
           <a:xfrm>
-            <a:off x="1152000" y="5256000"/>
-            <a:ext cx="8208000" cy="232200"/>
+            <a:off x="1080000" y="4392000"/>
+            <a:ext cx="7920000" cy="232200"/>
           </a:xfrm>
           <a:prstGeom prst="rect">
             <a:avLst/>
@@ -4570,7 +4599,7 @@
               <a:rPr b="0" lang="es-ES" sz="1000" spc="-1" strike="noStrike">
                 <a:latin typeface="Arial"/>
               </a:rPr>
-              <a:t>Fuente: https://www.profesionalreview.com/2019/08/19/machine-learning-que-es/</a:t>
+              <a:t>Fuente: https://torres.ai/generative-adversarial-networks/</a:t>
             </a:r>
             <a:endParaRPr b="0" lang="es-ES" sz="1000" spc="-1" strike="noStrike">
               <a:latin typeface="Arial"/>
@@ -4610,7 +4639,7 @@
       </p:grpSpPr>
       <p:sp>
         <p:nvSpPr>
-          <p:cNvPr id="116" name="TextShape 1"/>
+          <p:cNvPr id="115" name="TextShape 1"/>
           <p:cNvSpPr txBox="1"/>
           <p:nvPr/>
         </p:nvSpPr>
@@ -4637,7 +4666,7 @@
               <a:rPr b="0" lang="es-ES" sz="4400" spc="-1" strike="noStrike">
                 <a:latin typeface="Arial"/>
               </a:rPr>
-              <a:t>Aprendizaje Supervisado</a:t>
+              <a:t>Tipos de ML</a:t>
             </a:r>
             <a:endParaRPr b="0" lang="es-ES" sz="4400" spc="-1" strike="noStrike">
               <a:latin typeface="Arial"/>
@@ -4647,7 +4676,7 @@
       </p:sp>
       <p:pic>
         <p:nvPicPr>
-          <p:cNvPr id="117" name="" descr=""/>
+          <p:cNvPr id="116" name="" descr=""/>
           <p:cNvPicPr/>
           <p:nvPr/>
         </p:nvPicPr>
@@ -4656,9 +4685,9 @@
           <a:stretch/>
         </p:blipFill>
         <p:spPr>
-          <a:xfrm>
-            <a:off x="1440000" y="1584000"/>
-            <a:ext cx="6696000" cy="3131640"/>
+          <a:xfrm rot="21585600">
+            <a:off x="2302200" y="1130760"/>
+            <a:ext cx="5752800" cy="4113000"/>
           </a:xfrm>
           <a:prstGeom prst="rect">
             <a:avLst/>
@@ -4668,6 +4697,42 @@
           </a:ln>
         </p:spPr>
       </p:pic>
+      <p:sp>
+        <p:nvSpPr>
+          <p:cNvPr id="117" name="TextShape 2"/>
+          <p:cNvSpPr txBox="1"/>
+          <p:nvPr/>
+        </p:nvSpPr>
+        <p:spPr>
+          <a:xfrm>
+            <a:off x="1152000" y="5256000"/>
+            <a:ext cx="8208000" cy="232200"/>
+          </a:xfrm>
+          <a:prstGeom prst="rect">
+            <a:avLst/>
+          </a:prstGeom>
+          <a:noFill/>
+          <a:ln>
+            <a:noFill/>
+          </a:ln>
+        </p:spPr>
+        <p:txBody>
+          <a:bodyPr lIns="90000" rIns="90000" tIns="45000" bIns="45000">
+            <a:noAutofit/>
+          </a:bodyPr>
+          <a:p>
+            <a:r>
+              <a:rPr b="0" lang="es-ES" sz="1000" spc="-1" strike="noStrike">
+                <a:latin typeface="Arial"/>
+              </a:rPr>
+              <a:t>Fuente: https://www.profesionalreview.com/2019/08/19/machine-learning-que-es/</a:t>
+            </a:r>
+            <a:endParaRPr b="0" lang="es-ES" sz="1000" spc="-1" strike="noStrike">
+              <a:latin typeface="Arial"/>
+            </a:endParaRPr>
+          </a:p>
+        </p:txBody>
+      </p:sp>
     </p:spTree>
   </p:cSld>
   <mc:AlternateContent>
@@ -4727,7 +4792,7 @@
               <a:rPr b="0" lang="es-ES" sz="4400" spc="-1" strike="noStrike">
                 <a:latin typeface="Arial"/>
               </a:rPr>
-              <a:t>Aprendizaje No Supervisado</a:t>
+              <a:t>Aprendizaje Supervisado</a:t>
             </a:r>
             <a:endParaRPr b="0" lang="es-ES" sz="4400" spc="-1" strike="noStrike">
               <a:latin typeface="Arial"/>
@@ -4735,36 +4800,29 @@
           </a:p>
         </p:txBody>
       </p:sp>
-      <p:sp>
-        <p:nvSpPr>
-          <p:cNvPr id="119" name="TextShape 2"/>
-          <p:cNvSpPr txBox="1"/>
+      <p:pic>
+        <p:nvPicPr>
+          <p:cNvPr id="119" name="" descr=""/>
+          <p:cNvPicPr/>
           <p:nvPr/>
-        </p:nvSpPr>
-        <p:spPr>
-          <a:xfrm>
-            <a:off x="502920" y="1327320"/>
-            <a:ext cx="9069120" cy="3285720"/>
-          </a:xfrm>
-          <a:prstGeom prst="rect">
-            <a:avLst/>
-          </a:prstGeom>
-          <a:noFill/>
+        </p:nvPicPr>
+        <p:blipFill>
+          <a:blip r:embed="rId1"/>
+          <a:stretch/>
+        </p:blipFill>
+        <p:spPr>
+          <a:xfrm>
+            <a:off x="1440000" y="1584000"/>
+            <a:ext cx="6696000" cy="3131640"/>
+          </a:xfrm>
+          <a:prstGeom prst="rect">
+            <a:avLst/>
+          </a:prstGeom>
           <a:ln>
             <a:noFill/>
           </a:ln>
         </p:spPr>
-        <p:txBody>
-          <a:bodyPr lIns="0" rIns="0" tIns="0" bIns="0">
-            <a:normAutofit/>
-          </a:bodyPr>
-          <a:p>
-            <a:endParaRPr b="0" lang="es-ES" sz="3200" spc="-1" strike="noStrike">
-              <a:latin typeface="Arial"/>
-            </a:endParaRPr>
-          </a:p>
-        </p:txBody>
-      </p:sp>
+      </p:pic>
     </p:spTree>
   </p:cSld>
   <mc:AlternateContent>
@@ -5125,7 +5183,7 @@
               <a:rPr b="0" lang="es-ES" sz="4400" spc="-1" strike="noStrike">
                 <a:latin typeface="Arial"/>
               </a:rPr>
-              <a:t>Aprendizaje por refuerzo</a:t>
+              <a:t>Aprendizaje No Supervisado</a:t>
             </a:r>
             <a:endParaRPr b="0" lang="es-ES" sz="4400" spc="-1" strike="noStrike">
               <a:latin typeface="Arial"/>
@@ -5141,8 +5199,8 @@
         </p:nvSpPr>
         <p:spPr>
           <a:xfrm>
-            <a:off x="434880" y="4536000"/>
-            <a:ext cx="9069120" cy="653040"/>
+            <a:off x="502920" y="1327320"/>
+            <a:ext cx="9069120" cy="3285720"/>
           </a:xfrm>
           <a:prstGeom prst="rect">
             <a:avLst/>
@@ -5154,100 +5212,15 @@
         </p:spPr>
         <p:txBody>
           <a:bodyPr lIns="0" rIns="0" tIns="0" bIns="0">
-            <a:normAutofit fontScale="15000"/>
-          </a:bodyPr>
-          <a:p>
-            <a:pPr marL="432000" indent="-324000">
-              <a:spcBef>
-                <a:spcPts val="1417"/>
-              </a:spcBef>
-              <a:buClr>
-                <a:srgbClr val="000000"/>
-              </a:buClr>
-              <a:buSzPct val="45000"/>
-              <a:buFont typeface="Wingdings" charset="2"/>
-              <a:buChar char=""/>
-            </a:pPr>
-            <a:r>
-              <a:rPr b="0" lang="es-ES" sz="3200" spc="-1" strike="noStrike">
-                <a:latin typeface="Arial"/>
-                <a:hlinkClick r:id="rId1"/>
-              </a:rPr>
-              <a:t>https://gym.openai.com/</a:t>
-            </a:r>
-            <a:endParaRPr b="0" lang="es-ES" sz="3200" spc="-1" strike="noStrike">
-              <a:latin typeface="Arial"/>
-            </a:endParaRPr>
-          </a:p>
-          <a:p>
-            <a:pPr marL="432000" indent="-324000">
-              <a:spcBef>
-                <a:spcPts val="1417"/>
-              </a:spcBef>
-              <a:buClr>
-                <a:srgbClr val="000000"/>
-              </a:buClr>
-              <a:buSzPct val="45000"/>
-              <a:buFont typeface="Wingdings" charset="2"/>
-              <a:buChar char=""/>
-            </a:pPr>
-            <a:r>
-              <a:rPr b="0" lang="es-ES" sz="3200" spc="-1" strike="noStrike">
-                <a:latin typeface="Arial"/>
-              </a:rPr>
-              <a:t>https://youtu.be/V1eYniJ0Rnk</a:t>
-            </a:r>
-            <a:endParaRPr b="0" lang="es-ES" sz="3200" spc="-1" strike="noStrike">
-              <a:latin typeface="Arial"/>
-            </a:endParaRPr>
-          </a:p>
-          <a:p>
-            <a:pPr marL="432000" indent="-324000">
-              <a:spcBef>
-                <a:spcPts val="1417"/>
-              </a:spcBef>
-              <a:buClr>
-                <a:srgbClr val="000000"/>
-              </a:buClr>
-              <a:buSzPct val="45000"/>
-              <a:buFont typeface="Wingdings" charset="2"/>
-              <a:buChar char=""/>
-            </a:pPr>
-            <a:r>
-              <a:rPr b="0" lang="es-ES" sz="3200" spc="-1" strike="noStrike">
-                <a:latin typeface="Arial"/>
-              </a:rPr>
-              <a:t>https://github.com/andywu0913/OpenAI-GYM-CarRacing-DQN</a:t>
-            </a:r>
-            <a:endParaRPr b="0" lang="es-ES" sz="3200" spc="-1" strike="noStrike">
-              <a:latin typeface="Arial"/>
-            </a:endParaRPr>
-          </a:p>
-        </p:txBody>
-      </p:sp>
-      <p:pic>
-        <p:nvPicPr>
-          <p:cNvPr id="122" name="" descr=""/>
-          <p:cNvPicPr/>
-          <p:nvPr/>
-        </p:nvPicPr>
-        <p:blipFill>
-          <a:blip r:embed="rId2"/>
-          <a:stretch/>
-        </p:blipFill>
-        <p:spPr>
-          <a:xfrm>
-            <a:off x="1612800" y="1604520"/>
-            <a:ext cx="6667200" cy="2571480"/>
-          </a:xfrm>
-          <a:prstGeom prst="rect">
-            <a:avLst/>
-          </a:prstGeom>
-          <a:ln>
-            <a:noFill/>
-          </a:ln>
-        </p:spPr>
-      </p:pic>
+            <a:normAutofit/>
+          </a:bodyPr>
+          <a:p>
+            <a:endParaRPr b="0" lang="es-ES" sz="3200" spc="-1" strike="noStrike">
+              <a:latin typeface="Arial"/>
+            </a:endParaRPr>
+          </a:p>
+        </p:txBody>
+      </p:sp>
     </p:spTree>
   </p:cSld>
   <mc:AlternateContent>
@@ -5280,8 +5253,8 @@
       </p:grpSpPr>
       <p:sp>
         <p:nvSpPr>
-          <p:cNvPr id="123" name="CustomShape 1"/>
-          <p:cNvSpPr/>
+          <p:cNvPr id="122" name="TextShape 1"/>
+          <p:cNvSpPr txBox="1"/>
           <p:nvPr/>
         </p:nvSpPr>
         <p:spPr>
@@ -5297,23 +5270,34 @@
             <a:noFill/>
           </a:ln>
         </p:spPr>
-        <p:style>
-          <a:lnRef idx="0"/>
-          <a:fillRef idx="0"/>
-          <a:effectRef idx="0"/>
-          <a:fontRef idx="minor"/>
-        </p:style>
-      </p:sp>
-      <p:sp>
-        <p:nvSpPr>
-          <p:cNvPr id="124" name="CustomShape 2"/>
-          <p:cNvSpPr/>
+        <p:txBody>
+          <a:bodyPr lIns="0" rIns="0" tIns="0" bIns="0" anchor="ctr">
+            <a:noAutofit/>
+          </a:bodyPr>
+          <a:p>
+            <a:pPr algn="ctr"/>
+            <a:r>
+              <a:rPr b="0" lang="es-ES" sz="4400" spc="-1" strike="noStrike">
+                <a:latin typeface="Arial"/>
+              </a:rPr>
+              <a:t>Aprendizaje por refuerzo</a:t>
+            </a:r>
+            <a:endParaRPr b="0" lang="es-ES" sz="4400" spc="-1" strike="noStrike">
+              <a:latin typeface="Arial"/>
+            </a:endParaRPr>
+          </a:p>
+        </p:txBody>
+      </p:sp>
+      <p:sp>
+        <p:nvSpPr>
+          <p:cNvPr id="123" name="TextShape 2"/>
+          <p:cNvSpPr txBox="1"/>
           <p:nvPr/>
         </p:nvSpPr>
         <p:spPr>
           <a:xfrm>
-            <a:off x="502920" y="1327320"/>
-            <a:ext cx="9069120" cy="3285720"/>
+            <a:off x="434880" y="4536000"/>
+            <a:ext cx="9069120" cy="653040"/>
           </a:xfrm>
           <a:prstGeom prst="rect">
             <a:avLst/>
@@ -5323,143 +5307,102 @@
             <a:noFill/>
           </a:ln>
         </p:spPr>
-        <p:style>
-          <a:lnRef idx="0"/>
-          <a:fillRef idx="0"/>
-          <a:effectRef idx="0"/>
-          <a:fontRef idx="minor"/>
-        </p:style>
-        <p:txBody>
-          <a:bodyPr lIns="0" rIns="0" tIns="28440" bIns="0">
-            <a:normAutofit fontScale="75000"/>
-          </a:bodyPr>
-          <a:p>
-            <a:pPr marL="342720" indent="-342360">
-              <a:lnSpc>
-                <a:spcPct val="100000"/>
-              </a:lnSpc>
+        <p:txBody>
+          <a:bodyPr lIns="0" rIns="0" tIns="0" bIns="0">
+            <a:normAutofit fontScale="15000"/>
+          </a:bodyPr>
+          <a:p>
+            <a:pPr marL="432000" indent="-324000">
               <a:spcBef>
-                <a:spcPts val="1423"/>
+                <a:spcPts val="1417"/>
               </a:spcBef>
-              <a:tabLst>
-                <a:tab algn="l" pos="0"/>
-              </a:tabLst>
+              <a:buClr>
+                <a:srgbClr val="000000"/>
+              </a:buClr>
+              <a:buSzPct val="45000"/>
+              <a:buFont typeface="Wingdings" charset="2"/>
+              <a:buChar char=""/>
             </a:pPr>
             <a:r>
               <a:rPr b="0" lang="es-ES" sz="3200" spc="-1" strike="noStrike">
-                <a:solidFill>
-                  <a:srgbClr val="000000"/>
-                </a:solidFill>
-                <a:latin typeface="Arial"/>
-              </a:rPr>
-              <a:t>Reinforcement Learning</a:t>
-            </a:r>
-            <a:endParaRPr b="0" lang="es-ES" sz="3200" spc="-1" strike="noStrike">
-              <a:latin typeface="Arial"/>
-            </a:endParaRPr>
-          </a:p>
-          <a:p>
-            <a:pPr marL="342720" indent="-342360">
-              <a:lnSpc>
-                <a:spcPct val="100000"/>
-              </a:lnSpc>
+                <a:latin typeface="Arial"/>
+                <a:hlinkClick r:id="rId1"/>
+              </a:rPr>
+              <a:t>https://gym.openai.com/</a:t>
+            </a:r>
+            <a:endParaRPr b="0" lang="es-ES" sz="3200" spc="-1" strike="noStrike">
+              <a:latin typeface="Arial"/>
+            </a:endParaRPr>
+          </a:p>
+          <a:p>
+            <a:pPr marL="432000" indent="-324000">
               <a:spcBef>
-                <a:spcPts val="1423"/>
+                <a:spcPts val="1417"/>
               </a:spcBef>
-              <a:tabLst>
-                <a:tab algn="l" pos="0"/>
-              </a:tabLst>
+              <a:buClr>
+                <a:srgbClr val="000000"/>
+              </a:buClr>
+              <a:buSzPct val="45000"/>
+              <a:buFont typeface="Wingdings" charset="2"/>
+              <a:buChar char=""/>
             </a:pPr>
             <a:r>
               <a:rPr b="0" lang="es-ES" sz="3200" spc="-1" strike="noStrike">
-                <a:solidFill>
-                  <a:srgbClr val="000000"/>
-                </a:solidFill>
-                <a:latin typeface="Arial"/>
-              </a:rPr>
-              <a:t>Algoritmos evolutivos, ...</a:t>
-            </a:r>
-            <a:endParaRPr b="0" lang="es-ES" sz="3200" spc="-1" strike="noStrike">
-              <a:latin typeface="Arial"/>
-            </a:endParaRPr>
-          </a:p>
-          <a:p>
-            <a:pPr marL="342720" indent="-342360">
-              <a:lnSpc>
-                <a:spcPct val="100000"/>
-              </a:lnSpc>
+                <a:latin typeface="Arial"/>
+              </a:rPr>
+              <a:t>https://youtu.be/V1eYniJ0Rnk</a:t>
+            </a:r>
+            <a:endParaRPr b="0" lang="es-ES" sz="3200" spc="-1" strike="noStrike">
+              <a:latin typeface="Arial"/>
+            </a:endParaRPr>
+          </a:p>
+          <a:p>
+            <a:pPr marL="432000" indent="-324000">
               <a:spcBef>
-                <a:spcPts val="1423"/>
+                <a:spcPts val="1417"/>
               </a:spcBef>
-              <a:tabLst>
-                <a:tab algn="l" pos="0"/>
-              </a:tabLst>
+              <a:buClr>
+                <a:srgbClr val="000000"/>
+              </a:buClr>
+              <a:buSzPct val="45000"/>
+              <a:buFont typeface="Wingdings" charset="2"/>
+              <a:buChar char=""/>
             </a:pPr>
             <a:r>
               <a:rPr b="0" lang="es-ES" sz="3200" spc="-1" strike="noStrike">
-                <a:solidFill>
-                  <a:srgbClr val="000000"/>
-                </a:solidFill>
-                <a:latin typeface="Arial"/>
-              </a:rPr>
-              <a:t>Generativo. Gaugan</a:t>
-            </a:r>
-            <a:endParaRPr b="0" lang="es-ES" sz="3200" spc="-1" strike="noStrike">
-              <a:latin typeface="Arial"/>
-            </a:endParaRPr>
-          </a:p>
-          <a:p>
-            <a:pPr marL="342720" indent="-342360">
-              <a:lnSpc>
-                <a:spcPct val="100000"/>
-              </a:lnSpc>
-              <a:spcBef>
-                <a:spcPts val="1423"/>
-              </a:spcBef>
-              <a:tabLst>
-                <a:tab algn="l" pos="0"/>
-              </a:tabLst>
-            </a:pPr>
-            <a:r>
-              <a:rPr b="0" lang="es-ES" sz="3200" spc="-1" strike="noStrike">
-                <a:solidFill>
-                  <a:srgbClr val="000000"/>
-                </a:solidFill>
-                <a:latin typeface="Arial"/>
-              </a:rPr>
-              <a:t>Recursos. Problema de la mochila (p.e. evolutivo).</a:t>
-            </a:r>
-            <a:endParaRPr b="0" lang="es-ES" sz="3200" spc="-1" strike="noStrike">
-              <a:latin typeface="Arial"/>
-            </a:endParaRPr>
-          </a:p>
-          <a:p>
-            <a:pPr marL="342720" indent="-342360">
-              <a:lnSpc>
-                <a:spcPct val="100000"/>
-              </a:lnSpc>
-              <a:spcBef>
-                <a:spcPts val="1423"/>
-              </a:spcBef>
-              <a:tabLst>
-                <a:tab algn="l" pos="0"/>
-              </a:tabLst>
-            </a:pPr>
-            <a:r>
-              <a:rPr b="0" lang="es-ES" sz="3200" spc="-1" strike="noStrike">
-                <a:solidFill>
-                  <a:srgbClr val="000000"/>
-                </a:solidFill>
-                <a:latin typeface="Arial"/>
-              </a:rPr>
-              <a:t>Busqueda en espacio de soluciones. Ej. Ajedrez, 3 en raya, … Juegos.</a:t>
-            </a:r>
-            <a:endParaRPr b="0" lang="es-ES" sz="3200" spc="-1" strike="noStrike">
-              <a:latin typeface="Arial"/>
-            </a:endParaRPr>
-          </a:p>
-        </p:txBody>
-      </p:sp>
+                <a:latin typeface="Arial"/>
+              </a:rPr>
+              <a:t>https://github.com/andywu0913/OpenAI-GYM-CarRacing-DQN</a:t>
+            </a:r>
+            <a:endParaRPr b="0" lang="es-ES" sz="3200" spc="-1" strike="noStrike">
+              <a:latin typeface="Arial"/>
+            </a:endParaRPr>
+          </a:p>
+        </p:txBody>
+      </p:sp>
+      <p:pic>
+        <p:nvPicPr>
+          <p:cNvPr id="124" name="" descr=""/>
+          <p:cNvPicPr/>
+          <p:nvPr/>
+        </p:nvPicPr>
+        <p:blipFill>
+          <a:blip r:embed="rId2"/>
+          <a:stretch/>
+        </p:blipFill>
+        <p:spPr>
+          <a:xfrm>
+            <a:off x="1612800" y="1604520"/>
+            <a:ext cx="6667200" cy="2571480"/>
+          </a:xfrm>
+          <a:prstGeom prst="rect">
+            <a:avLst/>
+          </a:prstGeom>
+          <a:ln>
+            <a:noFill/>
+          </a:ln>
+        </p:spPr>
+      </p:pic>
     </p:spTree>
   </p:cSld>
   <mc:AlternateContent>
@@ -5543,7 +5486,7 @@
         </p:style>
         <p:txBody>
           <a:bodyPr lIns="0" rIns="0" tIns="28440" bIns="0">
-            <a:normAutofit/>
+            <a:normAutofit fontScale="75000"/>
           </a:bodyPr>
           <a:p>
             <a:pPr marL="342720" indent="-342360">
@@ -5564,7 +5507,7 @@
                 </a:solidFill>
                 <a:latin typeface="Arial"/>
               </a:rPr>
-              <a:t>Ver algo práctico.</a:t>
+              <a:t>Reinforcement Learning</a:t>
             </a:r>
             <a:endParaRPr b="0" lang="es-ES" sz="3200" spc="-1" strike="noStrike">
               <a:latin typeface="Arial"/>
@@ -5589,7 +5532,82 @@
                 </a:solidFill>
                 <a:latin typeface="Arial"/>
               </a:rPr>
-              <a:t>Bien directamente desde google colab o mejor desde web</a:t>
+              <a:t>Algoritmos evolutivos, ...</a:t>
+            </a:r>
+            <a:endParaRPr b="0" lang="es-ES" sz="3200" spc="-1" strike="noStrike">
+              <a:latin typeface="Arial"/>
+            </a:endParaRPr>
+          </a:p>
+          <a:p>
+            <a:pPr marL="342720" indent="-342360">
+              <a:lnSpc>
+                <a:spcPct val="100000"/>
+              </a:lnSpc>
+              <a:spcBef>
+                <a:spcPts val="1423"/>
+              </a:spcBef>
+              <a:tabLst>
+                <a:tab algn="l" pos="0"/>
+              </a:tabLst>
+            </a:pPr>
+            <a:r>
+              <a:rPr b="0" lang="es-ES" sz="3200" spc="-1" strike="noStrike">
+                <a:solidFill>
+                  <a:srgbClr val="000000"/>
+                </a:solidFill>
+                <a:latin typeface="Arial"/>
+              </a:rPr>
+              <a:t>Generativo. Gaugan</a:t>
+            </a:r>
+            <a:endParaRPr b="0" lang="es-ES" sz="3200" spc="-1" strike="noStrike">
+              <a:latin typeface="Arial"/>
+            </a:endParaRPr>
+          </a:p>
+          <a:p>
+            <a:pPr marL="342720" indent="-342360">
+              <a:lnSpc>
+                <a:spcPct val="100000"/>
+              </a:lnSpc>
+              <a:spcBef>
+                <a:spcPts val="1423"/>
+              </a:spcBef>
+              <a:tabLst>
+                <a:tab algn="l" pos="0"/>
+              </a:tabLst>
+            </a:pPr>
+            <a:r>
+              <a:rPr b="0" lang="es-ES" sz="3200" spc="-1" strike="noStrike">
+                <a:solidFill>
+                  <a:srgbClr val="000000"/>
+                </a:solidFill>
+                <a:latin typeface="Arial"/>
+              </a:rPr>
+              <a:t>Recursos. Problema de la mochila (p.e. evolutivo).</a:t>
+            </a:r>
+            <a:endParaRPr b="0" lang="es-ES" sz="3200" spc="-1" strike="noStrike">
+              <a:latin typeface="Arial"/>
+            </a:endParaRPr>
+          </a:p>
+          <a:p>
+            <a:pPr marL="342720" indent="-342360">
+              <a:lnSpc>
+                <a:spcPct val="100000"/>
+              </a:lnSpc>
+              <a:spcBef>
+                <a:spcPts val="1423"/>
+              </a:spcBef>
+              <a:tabLst>
+                <a:tab algn="l" pos="0"/>
+              </a:tabLst>
+            </a:pPr>
+            <a:r>
+              <a:rPr b="0" lang="es-ES" sz="3200" spc="-1" strike="noStrike">
+                <a:solidFill>
+                  <a:srgbClr val="000000"/>
+                </a:solidFill>
+                <a:latin typeface="Arial"/>
+              </a:rPr>
+              <a:t>Busqueda en espacio de soluciones. Ej. Ajedrez, 3 en raya, … Juegos.</a:t>
             </a:r>
             <a:endParaRPr b="0" lang="es-ES" sz="3200" spc="-1" strike="noStrike">
               <a:latin typeface="Arial"/>
@@ -5701,7 +5719,7 @@
                 </a:solidFill>
                 <a:latin typeface="Arial"/>
               </a:rPr>
-              <a:t>Regresión lineal</a:t>
+              <a:t>Ver algo práctico.</a:t>
             </a:r>
             <a:endParaRPr b="0" lang="es-ES" sz="3200" spc="-1" strike="noStrike">
               <a:latin typeface="Arial"/>
@@ -5726,57 +5744,7 @@
                 </a:solidFill>
                 <a:latin typeface="Arial"/>
               </a:rPr>
-              <a:t>Regresión logística</a:t>
-            </a:r>
-            <a:endParaRPr b="0" lang="es-ES" sz="3200" spc="-1" strike="noStrike">
-              <a:latin typeface="Arial"/>
-            </a:endParaRPr>
-          </a:p>
-          <a:p>
-            <a:pPr marL="342720" indent="-342360">
-              <a:lnSpc>
-                <a:spcPct val="100000"/>
-              </a:lnSpc>
-              <a:spcBef>
-                <a:spcPts val="1423"/>
-              </a:spcBef>
-              <a:tabLst>
-                <a:tab algn="l" pos="0"/>
-              </a:tabLst>
-            </a:pPr>
-            <a:r>
-              <a:rPr b="0" lang="es-ES" sz="3200" spc="-1" strike="noStrike">
-                <a:solidFill>
-                  <a:srgbClr val="000000"/>
-                </a:solidFill>
-                <a:latin typeface="Arial"/>
-              </a:rPr>
-              <a:t>Redes neuronales (Deep Learning)</a:t>
-            </a:r>
-            <a:endParaRPr b="0" lang="es-ES" sz="3200" spc="-1" strike="noStrike">
-              <a:latin typeface="Arial"/>
-            </a:endParaRPr>
-          </a:p>
-          <a:p>
-            <a:pPr marL="342720" indent="-342360">
-              <a:lnSpc>
-                <a:spcPct val="100000"/>
-              </a:lnSpc>
-              <a:spcBef>
-                <a:spcPts val="1423"/>
-              </a:spcBef>
-              <a:tabLst>
-                <a:tab algn="l" pos="0"/>
-              </a:tabLst>
-            </a:pPr>
-            <a:r>
-              <a:rPr b="0" lang="es-ES" sz="3200" spc="-1" strike="noStrike">
-                <a:solidFill>
-                  <a:srgbClr val="000000"/>
-                </a:solidFill>
-                <a:latin typeface="Arial"/>
-              </a:rPr>
-              <a:t>Ver Coursera http://ml-class.org</a:t>
+              <a:t>Bien directamente desde google colab o mejor desde web</a:t>
             </a:r>
             <a:endParaRPr b="0" lang="es-ES" sz="3200" spc="-1" strike="noStrike">
               <a:latin typeface="Arial"/>
@@ -5867,7 +5835,7 @@
         </p:style>
         <p:txBody>
           <a:bodyPr lIns="0" rIns="0" tIns="28440" bIns="0">
-            <a:normAutofit fontScale="45000"/>
+            <a:normAutofit/>
           </a:bodyPr>
           <a:p>
             <a:pPr marL="342720" indent="-342360">
@@ -5888,7 +5856,7 @@
                 </a:solidFill>
                 <a:latin typeface="Arial"/>
               </a:rPr>
-              <a:t>Nos centramos en aprendizaje supervisado. Es el más ampliamente utilizado:</a:t>
+              <a:t>Regresión lineal</a:t>
             </a:r>
             <a:endParaRPr b="0" lang="es-ES" sz="3200" spc="-1" strike="noStrike">
               <a:latin typeface="Arial"/>
@@ -5913,7 +5881,7 @@
                 </a:solidFill>
                 <a:latin typeface="Arial"/>
               </a:rPr>
-              <a:t>Bias </a:t>
+              <a:t>Regresión logística</a:t>
             </a:r>
             <a:endParaRPr b="0" lang="es-ES" sz="3200" spc="-1" strike="noStrike">
               <a:latin typeface="Arial"/>
@@ -5938,7 +5906,7 @@
                 </a:solidFill>
                 <a:latin typeface="Arial"/>
               </a:rPr>
-              <a:t>Variance</a:t>
+              <a:t>Redes neuronales (Deep Learning)</a:t>
             </a:r>
             <a:endParaRPr b="0" lang="es-ES" sz="3200" spc="-1" strike="noStrike">
               <a:latin typeface="Arial"/>
@@ -5963,57 +5931,7 @@
                 </a:solidFill>
                 <a:latin typeface="Arial"/>
               </a:rPr>
-              <a:t>Overfitting/Underfitting</a:t>
-            </a:r>
-            <a:endParaRPr b="0" lang="es-ES" sz="3200" spc="-1" strike="noStrike">
-              <a:latin typeface="Arial"/>
-            </a:endParaRPr>
-          </a:p>
-          <a:p>
-            <a:pPr marL="342720" indent="-342360">
-              <a:lnSpc>
-                <a:spcPct val="100000"/>
-              </a:lnSpc>
-              <a:spcBef>
-                <a:spcPts val="1423"/>
-              </a:spcBef>
-              <a:tabLst>
-                <a:tab algn="l" pos="0"/>
-              </a:tabLst>
-            </a:pPr>
-            <a:r>
-              <a:rPr b="0" lang="es-ES" sz="3200" spc="-1" strike="noStrike">
-                <a:solidFill>
-                  <a:srgbClr val="000000"/>
-                </a:solidFill>
-                <a:latin typeface="Arial"/>
-              </a:rPr>
-              <a:t>Conjuntos de datos (entrenamiento, test)</a:t>
-            </a:r>
-            <a:endParaRPr b="0" lang="es-ES" sz="3200" spc="-1" strike="noStrike">
-              <a:latin typeface="Arial"/>
-            </a:endParaRPr>
-          </a:p>
-          <a:p>
-            <a:pPr marL="342720" indent="-342360">
-              <a:lnSpc>
-                <a:spcPct val="100000"/>
-              </a:lnSpc>
-              <a:spcBef>
-                <a:spcPts val="1423"/>
-              </a:spcBef>
-              <a:tabLst>
-                <a:tab algn="l" pos="0"/>
-              </a:tabLst>
-            </a:pPr>
-            <a:r>
-              <a:rPr b="0" lang="es-ES" sz="3200" spc="-1" strike="noStrike">
-                <a:solidFill>
-                  <a:srgbClr val="000000"/>
-                </a:solidFill>
-                <a:latin typeface="Arial"/>
-              </a:rPr>
-              <a:t>Métricas. Clases desbalanceadas. Qué ocurre si un evento aparece muy pocas veces. Si siempre digo que no aparece acierto en la mayoría de las ocasiones.</a:t>
+              <a:t>Ver Coursera http://ml-class.org</a:t>
             </a:r>
             <a:endParaRPr b="0" lang="es-ES" sz="3200" spc="-1" strike="noStrike">
               <a:latin typeface="Arial"/>
@@ -6053,14 +5971,14 @@
       </p:grpSpPr>
       <p:sp>
         <p:nvSpPr>
-          <p:cNvPr id="131" name="TextShape 1"/>
-          <p:cNvSpPr txBox="1"/>
+          <p:cNvPr id="131" name="CustomShape 1"/>
+          <p:cNvSpPr/>
           <p:nvPr/>
         </p:nvSpPr>
         <p:spPr>
           <a:xfrm>
-            <a:off x="502920" y="72360"/>
-            <a:ext cx="9069120" cy="1250280"/>
+            <a:off x="502920" y="225360"/>
+            <a:ext cx="9069120" cy="944280"/>
           </a:xfrm>
           <a:prstGeom prst="rect">
             <a:avLst/>
@@ -6070,19 +5988,189 @@
             <a:noFill/>
           </a:ln>
         </p:spPr>
-        <p:txBody>
-          <a:bodyPr lIns="0" rIns="0" tIns="0" bIns="0" anchor="ctr">
-            <a:noAutofit/>
-          </a:bodyPr>
-          <a:p>
-            <a:pPr algn="ctr"/>
-            <a:r>
-              <a:rPr b="0" lang="es-ES" sz="4400" spc="-1" strike="noStrike">
-                <a:latin typeface="Arial"/>
-              </a:rPr>
-              <a:t>Programación vs entrenamiento o ciclo aprendizaje supervisado</a:t>
-            </a:r>
-            <a:endParaRPr b="0" lang="es-ES" sz="4400" spc="-1" strike="noStrike">
+        <p:style>
+          <a:lnRef idx="0"/>
+          <a:fillRef idx="0"/>
+          <a:effectRef idx="0"/>
+          <a:fontRef idx="minor"/>
+        </p:style>
+      </p:sp>
+      <p:sp>
+        <p:nvSpPr>
+          <p:cNvPr id="132" name="CustomShape 2"/>
+          <p:cNvSpPr/>
+          <p:nvPr/>
+        </p:nvSpPr>
+        <p:spPr>
+          <a:xfrm>
+            <a:off x="502920" y="1327320"/>
+            <a:ext cx="9069120" cy="3285720"/>
+          </a:xfrm>
+          <a:prstGeom prst="rect">
+            <a:avLst/>
+          </a:prstGeom>
+          <a:noFill/>
+          <a:ln>
+            <a:noFill/>
+          </a:ln>
+        </p:spPr>
+        <p:style>
+          <a:lnRef idx="0"/>
+          <a:fillRef idx="0"/>
+          <a:effectRef idx="0"/>
+          <a:fontRef idx="minor"/>
+        </p:style>
+        <p:txBody>
+          <a:bodyPr lIns="0" rIns="0" tIns="28440" bIns="0">
+            <a:normAutofit fontScale="45000"/>
+          </a:bodyPr>
+          <a:p>
+            <a:pPr marL="342720" indent="-342360">
+              <a:lnSpc>
+                <a:spcPct val="100000"/>
+              </a:lnSpc>
+              <a:spcBef>
+                <a:spcPts val="1423"/>
+              </a:spcBef>
+              <a:tabLst>
+                <a:tab algn="l" pos="0"/>
+              </a:tabLst>
+            </a:pPr>
+            <a:r>
+              <a:rPr b="0" lang="es-ES" sz="3200" spc="-1" strike="noStrike">
+                <a:solidFill>
+                  <a:srgbClr val="000000"/>
+                </a:solidFill>
+                <a:latin typeface="Arial"/>
+              </a:rPr>
+              <a:t>Nos centramos en aprendizaje supervisado. Es el más ampliamente utilizado:</a:t>
+            </a:r>
+            <a:endParaRPr b="0" lang="es-ES" sz="3200" spc="-1" strike="noStrike">
+              <a:latin typeface="Arial"/>
+            </a:endParaRPr>
+          </a:p>
+          <a:p>
+            <a:pPr marL="342720" indent="-342360">
+              <a:lnSpc>
+                <a:spcPct val="100000"/>
+              </a:lnSpc>
+              <a:spcBef>
+                <a:spcPts val="1423"/>
+              </a:spcBef>
+              <a:tabLst>
+                <a:tab algn="l" pos="0"/>
+              </a:tabLst>
+            </a:pPr>
+            <a:r>
+              <a:rPr b="0" lang="es-ES" sz="3200" spc="-1" strike="noStrike">
+                <a:solidFill>
+                  <a:srgbClr val="000000"/>
+                </a:solidFill>
+                <a:latin typeface="Arial"/>
+              </a:rPr>
+              <a:t>Bias </a:t>
+            </a:r>
+            <a:endParaRPr b="0" lang="es-ES" sz="3200" spc="-1" strike="noStrike">
+              <a:latin typeface="Arial"/>
+            </a:endParaRPr>
+          </a:p>
+          <a:p>
+            <a:pPr marL="342720" indent="-342360">
+              <a:lnSpc>
+                <a:spcPct val="100000"/>
+              </a:lnSpc>
+              <a:spcBef>
+                <a:spcPts val="1423"/>
+              </a:spcBef>
+              <a:tabLst>
+                <a:tab algn="l" pos="0"/>
+              </a:tabLst>
+            </a:pPr>
+            <a:r>
+              <a:rPr b="0" lang="es-ES" sz="3200" spc="-1" strike="noStrike">
+                <a:solidFill>
+                  <a:srgbClr val="000000"/>
+                </a:solidFill>
+                <a:latin typeface="Arial"/>
+              </a:rPr>
+              <a:t>Variance</a:t>
+            </a:r>
+            <a:endParaRPr b="0" lang="es-ES" sz="3200" spc="-1" strike="noStrike">
+              <a:latin typeface="Arial"/>
+            </a:endParaRPr>
+          </a:p>
+          <a:p>
+            <a:pPr marL="342720" indent="-342360">
+              <a:lnSpc>
+                <a:spcPct val="100000"/>
+              </a:lnSpc>
+              <a:spcBef>
+                <a:spcPts val="1423"/>
+              </a:spcBef>
+              <a:tabLst>
+                <a:tab algn="l" pos="0"/>
+              </a:tabLst>
+            </a:pPr>
+            <a:r>
+              <a:rPr b="0" lang="es-ES" sz="3200" spc="-1" strike="noStrike">
+                <a:solidFill>
+                  <a:srgbClr val="000000"/>
+                </a:solidFill>
+                <a:latin typeface="Arial"/>
+              </a:rPr>
+              <a:t>Overfitting/Underfitting</a:t>
+            </a:r>
+            <a:endParaRPr b="0" lang="es-ES" sz="3200" spc="-1" strike="noStrike">
+              <a:latin typeface="Arial"/>
+            </a:endParaRPr>
+          </a:p>
+          <a:p>
+            <a:pPr marL="342720" indent="-342360">
+              <a:lnSpc>
+                <a:spcPct val="100000"/>
+              </a:lnSpc>
+              <a:spcBef>
+                <a:spcPts val="1423"/>
+              </a:spcBef>
+              <a:tabLst>
+                <a:tab algn="l" pos="0"/>
+              </a:tabLst>
+            </a:pPr>
+            <a:r>
+              <a:rPr b="0" lang="es-ES" sz="3200" spc="-1" strike="noStrike">
+                <a:solidFill>
+                  <a:srgbClr val="000000"/>
+                </a:solidFill>
+                <a:latin typeface="Arial"/>
+              </a:rPr>
+              <a:t>Conjuntos de datos (entrenamiento, test)</a:t>
+            </a:r>
+            <a:endParaRPr b="0" lang="es-ES" sz="3200" spc="-1" strike="noStrike">
+              <a:latin typeface="Arial"/>
+            </a:endParaRPr>
+          </a:p>
+          <a:p>
+            <a:pPr marL="342720" indent="-342360">
+              <a:lnSpc>
+                <a:spcPct val="100000"/>
+              </a:lnSpc>
+              <a:spcBef>
+                <a:spcPts val="1423"/>
+              </a:spcBef>
+              <a:tabLst>
+                <a:tab algn="l" pos="0"/>
+              </a:tabLst>
+            </a:pPr>
+            <a:r>
+              <a:rPr b="0" lang="es-ES" sz="3200" spc="-1" strike="noStrike">
+                <a:solidFill>
+                  <a:srgbClr val="000000"/>
+                </a:solidFill>
+                <a:latin typeface="Arial"/>
+              </a:rPr>
+              <a:t>Métricas. Clases desbalanceadas. Qué ocurre si un evento aparece muy pocas veces. Si siempre digo que no aparece acierto en la mayoría de las ocasiones.</a:t>
+            </a:r>
+            <a:endParaRPr b="0" lang="es-ES" sz="3200" spc="-1" strike="noStrike">
               <a:latin typeface="Arial"/>
             </a:endParaRPr>
           </a:p>
@@ -6120,14 +6208,14 @@
       </p:grpSpPr>
       <p:sp>
         <p:nvSpPr>
-          <p:cNvPr id="132" name="CustomShape 1"/>
-          <p:cNvSpPr/>
+          <p:cNvPr id="133" name="TextShape 1"/>
+          <p:cNvSpPr txBox="1"/>
           <p:nvPr/>
         </p:nvSpPr>
         <p:spPr>
           <a:xfrm>
-            <a:off x="502920" y="225360"/>
-            <a:ext cx="9069120" cy="944280"/>
+            <a:off x="502920" y="72360"/>
+            <a:ext cx="9069120" cy="1250280"/>
           </a:xfrm>
           <a:prstGeom prst="rect">
             <a:avLst/>
@@ -6137,58 +6225,6 @@
             <a:noFill/>
           </a:ln>
         </p:spPr>
-        <p:style>
-          <a:lnRef idx="0"/>
-          <a:fillRef idx="0"/>
-          <a:effectRef idx="0"/>
-          <a:fontRef idx="minor"/>
-        </p:style>
-      </p:sp>
-      <p:sp>
-        <p:nvSpPr>
-          <p:cNvPr id="133" name="CustomShape 2"/>
-          <p:cNvSpPr/>
-          <p:nvPr/>
-        </p:nvSpPr>
-        <p:spPr>
-          <a:xfrm>
-            <a:off x="502920" y="1327320"/>
-            <a:ext cx="9069120" cy="3285720"/>
-          </a:xfrm>
-          <a:prstGeom prst="rect">
-            <a:avLst/>
-          </a:prstGeom>
-          <a:noFill/>
-          <a:ln>
-            <a:noFill/>
-          </a:ln>
-        </p:spPr>
-        <p:style>
-          <a:lnRef idx="0"/>
-          <a:fillRef idx="0"/>
-          <a:effectRef idx="0"/>
-          <a:fontRef idx="minor"/>
-        </p:style>
-      </p:sp>
-      <p:sp>
-        <p:nvSpPr>
-          <p:cNvPr id="134" name="TextShape 3"/>
-          <p:cNvSpPr txBox="1"/>
-          <p:nvPr/>
-        </p:nvSpPr>
-        <p:spPr>
-          <a:xfrm>
-            <a:off x="502920" y="225360"/>
-            <a:ext cx="9069120" cy="944280"/>
-          </a:xfrm>
-          <a:prstGeom prst="rect">
-            <a:avLst/>
-          </a:prstGeom>
-          <a:noFill/>
-          <a:ln>
-            <a:noFill/>
-          </a:ln>
-        </p:spPr>
         <p:txBody>
           <a:bodyPr lIns="0" rIns="0" tIns="0" bIns="0" anchor="ctr">
             <a:noAutofit/>
@@ -6199,100 +6235,9 @@
               <a:rPr b="0" lang="es-ES" sz="4400" spc="-1" strike="noStrike">
                 <a:latin typeface="Arial"/>
               </a:rPr>
-              <a:t>Aplicaciones</a:t>
+              <a:t>Programación vs entrenamiento o ciclo aprendizaje supervisado</a:t>
             </a:r>
             <a:endParaRPr b="0" lang="es-ES" sz="4400" spc="-1" strike="noStrike">
-              <a:latin typeface="Arial"/>
-            </a:endParaRPr>
-          </a:p>
-        </p:txBody>
-      </p:sp>
-      <p:sp>
-        <p:nvSpPr>
-          <p:cNvPr id="135" name="TextShape 4"/>
-          <p:cNvSpPr txBox="1"/>
-          <p:nvPr/>
-        </p:nvSpPr>
-        <p:spPr>
-          <a:xfrm>
-            <a:off x="578880" y="1250280"/>
-            <a:ext cx="9069120" cy="3285720"/>
-          </a:xfrm>
-          <a:prstGeom prst="rect">
-            <a:avLst/>
-          </a:prstGeom>
-          <a:noFill/>
-          <a:ln>
-            <a:noFill/>
-          </a:ln>
-        </p:spPr>
-        <p:txBody>
-          <a:bodyPr lIns="0" rIns="0" tIns="0" bIns="0">
-            <a:normAutofit/>
-          </a:bodyPr>
-          <a:p>
-            <a:pPr marL="432000" indent="-324000">
-              <a:spcBef>
-                <a:spcPts val="1417"/>
-              </a:spcBef>
-              <a:buClr>
-                <a:srgbClr val="000000"/>
-              </a:buClr>
-              <a:buSzPct val="45000"/>
-              <a:buFont typeface="Wingdings" charset="2"/>
-              <a:buChar char=""/>
-            </a:pPr>
-            <a:r>
-              <a:rPr b="0" lang="es-ES" sz="3200" spc="-1" strike="noStrike">
-                <a:latin typeface="Arial"/>
-              </a:rPr>
-              <a:t>Imágenes, Vídeos.</a:t>
-            </a:r>
-            <a:endParaRPr b="0" lang="es-ES" sz="3200" spc="-1" strike="noStrike">
-              <a:latin typeface="Arial"/>
-            </a:endParaRPr>
-          </a:p>
-          <a:p>
-            <a:pPr marL="432000" indent="-324000">
-              <a:spcBef>
-                <a:spcPts val="1417"/>
-              </a:spcBef>
-              <a:buClr>
-                <a:srgbClr val="000000"/>
-              </a:buClr>
-              <a:buSzPct val="45000"/>
-              <a:buFont typeface="Wingdings" charset="2"/>
-              <a:buChar char=""/>
-            </a:pPr>
-            <a:r>
-              <a:rPr b="0" lang="es-ES" sz="3200" spc="-1" strike="noStrike">
-                <a:latin typeface="Arial"/>
-              </a:rPr>
-              <a:t>Tracking de objetos, ….</a:t>
-            </a:r>
-            <a:endParaRPr b="0" lang="es-ES" sz="3200" spc="-1" strike="noStrike">
-              <a:latin typeface="Arial"/>
-            </a:endParaRPr>
-          </a:p>
-          <a:p>
-            <a:pPr marL="432000" indent="-324000">
-              <a:spcBef>
-                <a:spcPts val="1417"/>
-              </a:spcBef>
-              <a:buClr>
-                <a:srgbClr val="000000"/>
-              </a:buClr>
-              <a:buSzPct val="45000"/>
-              <a:buFont typeface="Wingdings" charset="2"/>
-              <a:buChar char=""/>
-            </a:pPr>
-            <a:r>
-              <a:rPr b="0" lang="es-ES" sz="3200" spc="-1" strike="noStrike">
-                <a:latin typeface="Arial"/>
-              </a:rPr>
-              <a:t>NLP</a:t>
-            </a:r>
-            <a:endParaRPr b="0" lang="es-ES" sz="3200" spc="-1" strike="noStrike">
               <a:latin typeface="Arial"/>
             </a:endParaRPr>
           </a:p>
@@ -6330,7 +6275,7 @@
       </p:grpSpPr>
       <p:sp>
         <p:nvSpPr>
-          <p:cNvPr id="136" name="CustomShape 1"/>
+          <p:cNvPr id="134" name="CustomShape 1"/>
           <p:cNvSpPr/>
           <p:nvPr/>
         </p:nvSpPr>
@@ -6356,7 +6301,7 @@
       </p:sp>
       <p:sp>
         <p:nvSpPr>
-          <p:cNvPr id="137" name="CustomShape 2"/>
+          <p:cNvPr id="135" name="CustomShape 2"/>
           <p:cNvSpPr/>
           <p:nvPr/>
         </p:nvSpPr>
@@ -6379,155 +6324,128 @@
           <a:effectRef idx="0"/>
           <a:fontRef idx="minor"/>
         </p:style>
-        <p:txBody>
-          <a:bodyPr lIns="0" rIns="0" tIns="28440" bIns="0">
-            <a:normAutofit fontScale="83000"/>
-          </a:bodyPr>
-          <a:p>
-            <a:pPr marL="342720" indent="-342360">
-              <a:lnSpc>
-                <a:spcPct val="100000"/>
-              </a:lnSpc>
+      </p:sp>
+      <p:sp>
+        <p:nvSpPr>
+          <p:cNvPr id="136" name="TextShape 3"/>
+          <p:cNvSpPr txBox="1"/>
+          <p:nvPr/>
+        </p:nvSpPr>
+        <p:spPr>
+          <a:xfrm>
+            <a:off x="502920" y="225360"/>
+            <a:ext cx="9069120" cy="944280"/>
+          </a:xfrm>
+          <a:prstGeom prst="rect">
+            <a:avLst/>
+          </a:prstGeom>
+          <a:noFill/>
+          <a:ln>
+            <a:noFill/>
+          </a:ln>
+        </p:spPr>
+        <p:txBody>
+          <a:bodyPr lIns="0" rIns="0" tIns="0" bIns="0" anchor="ctr">
+            <a:noAutofit/>
+          </a:bodyPr>
+          <a:p>
+            <a:pPr algn="ctr"/>
+            <a:r>
+              <a:rPr b="0" lang="es-ES" sz="4400" spc="-1" strike="noStrike">
+                <a:latin typeface="Arial"/>
+              </a:rPr>
+              <a:t>Aplicaciones</a:t>
+            </a:r>
+            <a:endParaRPr b="0" lang="es-ES" sz="4400" spc="-1" strike="noStrike">
+              <a:latin typeface="Arial"/>
+            </a:endParaRPr>
+          </a:p>
+        </p:txBody>
+      </p:sp>
+      <p:sp>
+        <p:nvSpPr>
+          <p:cNvPr id="137" name="TextShape 4"/>
+          <p:cNvSpPr txBox="1"/>
+          <p:nvPr/>
+        </p:nvSpPr>
+        <p:spPr>
+          <a:xfrm>
+            <a:off x="578880" y="1250280"/>
+            <a:ext cx="9069120" cy="3285720"/>
+          </a:xfrm>
+          <a:prstGeom prst="rect">
+            <a:avLst/>
+          </a:prstGeom>
+          <a:noFill/>
+          <a:ln>
+            <a:noFill/>
+          </a:ln>
+        </p:spPr>
+        <p:txBody>
+          <a:bodyPr lIns="0" rIns="0" tIns="0" bIns="0">
+            <a:normAutofit/>
+          </a:bodyPr>
+          <a:p>
+            <a:pPr marL="432000" indent="-324000">
               <a:spcBef>
-                <a:spcPts val="1423"/>
+                <a:spcPts val="1417"/>
               </a:spcBef>
-              <a:tabLst>
-                <a:tab algn="l" pos="0"/>
-              </a:tabLst>
+              <a:buClr>
+                <a:srgbClr val="000000"/>
+              </a:buClr>
+              <a:buSzPct val="45000"/>
+              <a:buFont typeface="Wingdings" charset="2"/>
+              <a:buChar char=""/>
             </a:pPr>
             <a:r>
               <a:rPr b="0" lang="es-ES" sz="3200" spc="-1" strike="noStrike">
-                <a:solidFill>
-                  <a:srgbClr val="000000"/>
-                </a:solidFill>
-                <a:latin typeface="Arial"/>
-              </a:rPr>
-              <a:t>Empresas</a:t>
-            </a:r>
-            <a:endParaRPr b="0" lang="es-ES" sz="3200" spc="-1" strike="noStrike">
-              <a:latin typeface="Arial"/>
-            </a:endParaRPr>
-          </a:p>
-          <a:p>
-            <a:pPr marL="342720" indent="-342360">
-              <a:lnSpc>
-                <a:spcPct val="100000"/>
-              </a:lnSpc>
+                <a:latin typeface="Arial"/>
+              </a:rPr>
+              <a:t>Imágenes, Vídeos.</a:t>
+            </a:r>
+            <a:endParaRPr b="0" lang="es-ES" sz="3200" spc="-1" strike="noStrike">
+              <a:latin typeface="Arial"/>
+            </a:endParaRPr>
+          </a:p>
+          <a:p>
+            <a:pPr marL="432000" indent="-324000">
               <a:spcBef>
-                <a:spcPts val="1423"/>
+                <a:spcPts val="1417"/>
               </a:spcBef>
-              <a:tabLst>
-                <a:tab algn="l" pos="0"/>
-              </a:tabLst>
+              <a:buClr>
+                <a:srgbClr val="000000"/>
+              </a:buClr>
+              <a:buSzPct val="45000"/>
+              <a:buFont typeface="Wingdings" charset="2"/>
+              <a:buChar char=""/>
             </a:pPr>
             <a:r>
               <a:rPr b="0" lang="es-ES" sz="3200" spc="-1" strike="noStrike">
-                <a:solidFill>
-                  <a:srgbClr val="000000"/>
-                </a:solidFill>
-                <a:latin typeface="Arial"/>
-              </a:rPr>
-              <a:t>Google, Deep Mind</a:t>
-            </a:r>
-            <a:endParaRPr b="0" lang="es-ES" sz="3200" spc="-1" strike="noStrike">
-              <a:latin typeface="Arial"/>
-            </a:endParaRPr>
-          </a:p>
-          <a:p>
-            <a:pPr marL="342720" indent="-342360">
-              <a:lnSpc>
-                <a:spcPct val="100000"/>
-              </a:lnSpc>
+                <a:latin typeface="Arial"/>
+              </a:rPr>
+              <a:t>Tracking de objetos, ….</a:t>
+            </a:r>
+            <a:endParaRPr b="0" lang="es-ES" sz="3200" spc="-1" strike="noStrike">
+              <a:latin typeface="Arial"/>
+            </a:endParaRPr>
+          </a:p>
+          <a:p>
+            <a:pPr marL="432000" indent="-324000">
               <a:spcBef>
-                <a:spcPts val="1423"/>
+                <a:spcPts val="1417"/>
               </a:spcBef>
-              <a:tabLst>
-                <a:tab algn="l" pos="0"/>
-              </a:tabLst>
+              <a:buClr>
+                <a:srgbClr val="000000"/>
+              </a:buClr>
+              <a:buSzPct val="45000"/>
+              <a:buFont typeface="Wingdings" charset="2"/>
+              <a:buChar char=""/>
             </a:pPr>
             <a:r>
               <a:rPr b="0" lang="es-ES" sz="3200" spc="-1" strike="noStrike">
-                <a:solidFill>
-                  <a:srgbClr val="000000"/>
-                </a:solidFill>
-                <a:latin typeface="Arial"/>
-              </a:rPr>
-              <a:t>OpenAI</a:t>
-            </a:r>
-            <a:endParaRPr b="0" lang="es-ES" sz="3200" spc="-1" strike="noStrike">
-              <a:latin typeface="Arial"/>
-            </a:endParaRPr>
-          </a:p>
-          <a:p>
-            <a:pPr marL="342720" indent="-342360">
-              <a:lnSpc>
-                <a:spcPct val="100000"/>
-              </a:lnSpc>
-              <a:spcBef>
-                <a:spcPts val="1423"/>
-              </a:spcBef>
-              <a:tabLst>
-                <a:tab algn="l" pos="0"/>
-              </a:tabLst>
-            </a:pPr>
-            <a:r>
-              <a:rPr b="0" lang="es-ES" sz="3200" spc="-1" strike="noStrike">
-                <a:solidFill>
-                  <a:srgbClr val="000000"/>
-                </a:solidFill>
-                <a:latin typeface="Arial"/>
-              </a:rPr>
-              <a:t>Microsoft</a:t>
-            </a:r>
-            <a:endParaRPr b="0" lang="es-ES" sz="3200" spc="-1" strike="noStrike">
-              <a:latin typeface="Arial"/>
-            </a:endParaRPr>
-          </a:p>
-          <a:p>
-            <a:pPr marL="342720" indent="-342360">
-              <a:lnSpc>
-                <a:spcPct val="100000"/>
-              </a:lnSpc>
-              <a:spcBef>
-                <a:spcPts val="1423"/>
-              </a:spcBef>
-              <a:tabLst>
-                <a:tab algn="l" pos="0"/>
-              </a:tabLst>
-            </a:pPr>
-            <a:r>
-              <a:rPr b="0" lang="es-ES" sz="3200" spc="-1" strike="noStrike">
-                <a:solidFill>
-                  <a:srgbClr val="000000"/>
-                </a:solidFill>
-                <a:latin typeface="Arial"/>
-              </a:rPr>
-              <a:t>Facebook</a:t>
-            </a:r>
-            <a:endParaRPr b="0" lang="es-ES" sz="3200" spc="-1" strike="noStrike">
-              <a:latin typeface="Arial"/>
-            </a:endParaRPr>
-          </a:p>
-          <a:p>
-            <a:pPr marL="342720" indent="-342360">
-              <a:lnSpc>
-                <a:spcPct val="100000"/>
-              </a:lnSpc>
-              <a:spcBef>
-                <a:spcPts val="1423"/>
-              </a:spcBef>
-              <a:tabLst>
-                <a:tab algn="l" pos="0"/>
-              </a:tabLst>
-            </a:pPr>
-            <a:r>
-              <a:rPr b="0" lang="es-ES" sz="3200" spc="-1" strike="noStrike">
-                <a:solidFill>
-                  <a:srgbClr val="000000"/>
-                </a:solidFill>
-                <a:latin typeface="Arial"/>
-              </a:rPr>
-              <a:t>NVIDIA</a:t>
+                <a:latin typeface="Arial"/>
+              </a:rPr>
+              <a:t>NLP</a:t>
             </a:r>
             <a:endParaRPr b="0" lang="es-ES" sz="3200" spc="-1" strike="noStrike">
               <a:latin typeface="Arial"/>
@@ -6590,6 +6508,243 @@
           <a:effectRef idx="0"/>
           <a:fontRef idx="minor"/>
         </p:style>
+      </p:sp>
+      <p:sp>
+        <p:nvSpPr>
+          <p:cNvPr id="139" name="CustomShape 2"/>
+          <p:cNvSpPr/>
+          <p:nvPr/>
+        </p:nvSpPr>
+        <p:spPr>
+          <a:xfrm>
+            <a:off x="502920" y="1327320"/>
+            <a:ext cx="9069120" cy="3285720"/>
+          </a:xfrm>
+          <a:prstGeom prst="rect">
+            <a:avLst/>
+          </a:prstGeom>
+          <a:noFill/>
+          <a:ln>
+            <a:noFill/>
+          </a:ln>
+        </p:spPr>
+        <p:style>
+          <a:lnRef idx="0"/>
+          <a:fillRef idx="0"/>
+          <a:effectRef idx="0"/>
+          <a:fontRef idx="minor"/>
+        </p:style>
+        <p:txBody>
+          <a:bodyPr lIns="0" rIns="0" tIns="28440" bIns="0">
+            <a:normAutofit fontScale="83000"/>
+          </a:bodyPr>
+          <a:p>
+            <a:pPr marL="342720" indent="-342360">
+              <a:lnSpc>
+                <a:spcPct val="100000"/>
+              </a:lnSpc>
+              <a:spcBef>
+                <a:spcPts val="1423"/>
+              </a:spcBef>
+              <a:tabLst>
+                <a:tab algn="l" pos="0"/>
+              </a:tabLst>
+            </a:pPr>
+            <a:r>
+              <a:rPr b="0" lang="es-ES" sz="3200" spc="-1" strike="noStrike">
+                <a:solidFill>
+                  <a:srgbClr val="000000"/>
+                </a:solidFill>
+                <a:latin typeface="Arial"/>
+              </a:rPr>
+              <a:t>Empresas</a:t>
+            </a:r>
+            <a:endParaRPr b="0" lang="es-ES" sz="3200" spc="-1" strike="noStrike">
+              <a:latin typeface="Arial"/>
+            </a:endParaRPr>
+          </a:p>
+          <a:p>
+            <a:pPr marL="342720" indent="-342360">
+              <a:lnSpc>
+                <a:spcPct val="100000"/>
+              </a:lnSpc>
+              <a:spcBef>
+                <a:spcPts val="1423"/>
+              </a:spcBef>
+              <a:tabLst>
+                <a:tab algn="l" pos="0"/>
+              </a:tabLst>
+            </a:pPr>
+            <a:r>
+              <a:rPr b="0" lang="es-ES" sz="3200" spc="-1" strike="noStrike">
+                <a:solidFill>
+                  <a:srgbClr val="000000"/>
+                </a:solidFill>
+                <a:latin typeface="Arial"/>
+              </a:rPr>
+              <a:t>Google, Deep Mind</a:t>
+            </a:r>
+            <a:endParaRPr b="0" lang="es-ES" sz="3200" spc="-1" strike="noStrike">
+              <a:latin typeface="Arial"/>
+            </a:endParaRPr>
+          </a:p>
+          <a:p>
+            <a:pPr marL="342720" indent="-342360">
+              <a:lnSpc>
+                <a:spcPct val="100000"/>
+              </a:lnSpc>
+              <a:spcBef>
+                <a:spcPts val="1423"/>
+              </a:spcBef>
+              <a:tabLst>
+                <a:tab algn="l" pos="0"/>
+              </a:tabLst>
+            </a:pPr>
+            <a:r>
+              <a:rPr b="0" lang="es-ES" sz="3200" spc="-1" strike="noStrike">
+                <a:solidFill>
+                  <a:srgbClr val="000000"/>
+                </a:solidFill>
+                <a:latin typeface="Arial"/>
+              </a:rPr>
+              <a:t>OpenAI</a:t>
+            </a:r>
+            <a:endParaRPr b="0" lang="es-ES" sz="3200" spc="-1" strike="noStrike">
+              <a:latin typeface="Arial"/>
+            </a:endParaRPr>
+          </a:p>
+          <a:p>
+            <a:pPr marL="342720" indent="-342360">
+              <a:lnSpc>
+                <a:spcPct val="100000"/>
+              </a:lnSpc>
+              <a:spcBef>
+                <a:spcPts val="1423"/>
+              </a:spcBef>
+              <a:tabLst>
+                <a:tab algn="l" pos="0"/>
+              </a:tabLst>
+            </a:pPr>
+            <a:r>
+              <a:rPr b="0" lang="es-ES" sz="3200" spc="-1" strike="noStrike">
+                <a:solidFill>
+                  <a:srgbClr val="000000"/>
+                </a:solidFill>
+                <a:latin typeface="Arial"/>
+              </a:rPr>
+              <a:t>Microsoft</a:t>
+            </a:r>
+            <a:endParaRPr b="0" lang="es-ES" sz="3200" spc="-1" strike="noStrike">
+              <a:latin typeface="Arial"/>
+            </a:endParaRPr>
+          </a:p>
+          <a:p>
+            <a:pPr marL="342720" indent="-342360">
+              <a:lnSpc>
+                <a:spcPct val="100000"/>
+              </a:lnSpc>
+              <a:spcBef>
+                <a:spcPts val="1423"/>
+              </a:spcBef>
+              <a:tabLst>
+                <a:tab algn="l" pos="0"/>
+              </a:tabLst>
+            </a:pPr>
+            <a:r>
+              <a:rPr b="0" lang="es-ES" sz="3200" spc="-1" strike="noStrike">
+                <a:solidFill>
+                  <a:srgbClr val="000000"/>
+                </a:solidFill>
+                <a:latin typeface="Arial"/>
+              </a:rPr>
+              <a:t>Facebook</a:t>
+            </a:r>
+            <a:endParaRPr b="0" lang="es-ES" sz="3200" spc="-1" strike="noStrike">
+              <a:latin typeface="Arial"/>
+            </a:endParaRPr>
+          </a:p>
+          <a:p>
+            <a:pPr marL="342720" indent="-342360">
+              <a:lnSpc>
+                <a:spcPct val="100000"/>
+              </a:lnSpc>
+              <a:spcBef>
+                <a:spcPts val="1423"/>
+              </a:spcBef>
+              <a:tabLst>
+                <a:tab algn="l" pos="0"/>
+              </a:tabLst>
+            </a:pPr>
+            <a:r>
+              <a:rPr b="0" lang="es-ES" sz="3200" spc="-1" strike="noStrike">
+                <a:solidFill>
+                  <a:srgbClr val="000000"/>
+                </a:solidFill>
+                <a:latin typeface="Arial"/>
+              </a:rPr>
+              <a:t>NVIDIA</a:t>
+            </a:r>
+            <a:endParaRPr b="0" lang="es-ES" sz="3200" spc="-1" strike="noStrike">
+              <a:latin typeface="Arial"/>
+            </a:endParaRPr>
+          </a:p>
+        </p:txBody>
+      </p:sp>
+    </p:spTree>
+  </p:cSld>
+  <mc:AlternateContent>
+    <mc:Choice Requires="p14">
+      <p:transition spd="slow" p14:dur="2000"/>
+    </mc:Choice>
+    <mc:Fallback>
+      <p:transition spd="slow"/>
+    </mc:Fallback>
+  </mc:AlternateContent>
+</p:sld>
+</file>
+
+<file path=ppt/slides/slide29.xml><?xml version="1.0" encoding="utf-8"?>
+<p:sld xmlns:a="http://schemas.openxmlformats.org/drawingml/2006/main" xmlns:p="http://schemas.openxmlformats.org/presentationml/2006/main" xmlns:r="http://schemas.openxmlformats.org/officeDocument/2006/relationships" xmlns:p14="http://schemas.microsoft.com/office/powerpoint/2010/main" xmlns:p15="http://schemas.microsoft.com/office/powerpoint/2012/main" xmlns:mc="http://schemas.openxmlformats.org/markup-compatibility/2006">
+  <p:cSld>
+    <p:spTree>
+      <p:nvGrpSpPr>
+        <p:cNvPr id="1" name=""/>
+        <p:cNvGrpSpPr/>
+        <p:nvPr/>
+      </p:nvGrpSpPr>
+      <p:grpSpPr>
+        <a:xfrm>
+          <a:off x="0" y="0"/>
+          <a:ext cx="0" cy="0"/>
+          <a:chOff x="0" y="0"/>
+          <a:chExt cx="0" cy="0"/>
+        </a:xfrm>
+      </p:grpSpPr>
+      <p:sp>
+        <p:nvSpPr>
+          <p:cNvPr id="140" name="CustomShape 1"/>
+          <p:cNvSpPr/>
+          <p:nvPr/>
+        </p:nvSpPr>
+        <p:spPr>
+          <a:xfrm>
+            <a:off x="502920" y="225360"/>
+            <a:ext cx="9069120" cy="944280"/>
+          </a:xfrm>
+          <a:prstGeom prst="rect">
+            <a:avLst/>
+          </a:prstGeom>
+          <a:noFill/>
+          <a:ln>
+            <a:noFill/>
+          </a:ln>
+        </p:spPr>
+        <p:style>
+          <a:lnRef idx="0"/>
+          <a:fillRef idx="0"/>
+          <a:effectRef idx="0"/>
+          <a:fontRef idx="minor"/>
+        </p:style>
         <p:txBody>
           <a:bodyPr lIns="0" rIns="0" tIns="0" bIns="0" anchor="ctr">
             <a:noAutofit/>
@@ -6640,7 +6795,7 @@
       </p:sp>
       <p:sp>
         <p:nvSpPr>
-          <p:cNvPr id="139" name="CustomShape 2"/>
+          <p:cNvPr id="141" name="CustomShape 2"/>
           <p:cNvSpPr/>
           <p:nvPr/>
         </p:nvSpPr>
